--- a/lecnotes/lecture02.pptx
+++ b/lecnotes/lecture02.pptx
@@ -351,7 +351,7 @@
             <a:fld id="{B61BEF0D-F0BB-DE4B-95CE-6DB70DBA9567}" type="datetimeFigureOut">
               <a:rPr lang="en-US" dirty="0"/>
               <a:pPr/>
-              <a:t>1/12/2022</a:t>
+              <a:t>9/27/2023</a:t>
             </a:fld>
             <a:endParaRPr lang="en-US" dirty="0"/>
           </a:p>
@@ -682,7 +682,7 @@
             <a:fld id="{B61BEF0D-F0BB-DE4B-95CE-6DB70DBA9567}" type="datetimeFigureOut">
               <a:rPr lang="en-US" dirty="0"/>
               <a:pPr/>
-              <a:t>1/12/2022</a:t>
+              <a:t>9/27/2023</a:t>
             </a:fld>
             <a:endParaRPr lang="en-US" dirty="0"/>
           </a:p>
@@ -957,7 +957,7 @@
             <a:fld id="{B61BEF0D-F0BB-DE4B-95CE-6DB70DBA9567}" type="datetimeFigureOut">
               <a:rPr lang="en-US" dirty="0"/>
               <a:pPr/>
-              <a:t>1/12/2022</a:t>
+              <a:t>9/27/2023</a:t>
             </a:fld>
             <a:endParaRPr lang="en-US" dirty="0"/>
           </a:p>
@@ -1522,7 +1522,7 @@
             <a:fld id="{B61BEF0D-F0BB-DE4B-95CE-6DB70DBA9567}" type="datetimeFigureOut">
               <a:rPr lang="en-US" dirty="0"/>
               <a:pPr/>
-              <a:t>1/12/2022</a:t>
+              <a:t>9/27/2023</a:t>
             </a:fld>
             <a:endParaRPr lang="en-US" dirty="0"/>
           </a:p>
@@ -1797,7 +1797,7 @@
             <a:fld id="{B61BEF0D-F0BB-DE4B-95CE-6DB70DBA9567}" type="datetimeFigureOut">
               <a:rPr lang="en-US" dirty="0"/>
               <a:pPr/>
-              <a:t>1/12/2022</a:t>
+              <a:t>9/27/2023</a:t>
             </a:fld>
             <a:endParaRPr lang="en-US" dirty="0"/>
           </a:p>
@@ -2356,7 +2356,7 @@
             <a:fld id="{B61BEF0D-F0BB-DE4B-95CE-6DB70DBA9567}" type="datetimeFigureOut">
               <a:rPr lang="en-US" dirty="0"/>
               <a:pPr/>
-              <a:t>1/12/2022</a:t>
+              <a:t>9/27/2023</a:t>
             </a:fld>
             <a:endParaRPr lang="en-US" dirty="0"/>
           </a:p>
@@ -2680,7 +2680,7 @@
             <a:fld id="{B61BEF0D-F0BB-DE4B-95CE-6DB70DBA9567}" type="datetimeFigureOut">
               <a:rPr lang="en-US" dirty="0"/>
               <a:pPr/>
-              <a:t>1/12/2022</a:t>
+              <a:t>9/27/2023</a:t>
             </a:fld>
             <a:endParaRPr lang="en-US" dirty="0"/>
           </a:p>
@@ -2854,7 +2854,7 @@
             <a:fld id="{B61BEF0D-F0BB-DE4B-95CE-6DB70DBA9567}" type="datetimeFigureOut">
               <a:rPr lang="en-US" dirty="0"/>
               <a:pPr/>
-              <a:t>1/12/2022</a:t>
+              <a:t>9/27/2023</a:t>
             </a:fld>
             <a:endParaRPr lang="en-US" dirty="0"/>
           </a:p>
@@ -3089,7 +3089,7 @@
             <a:fld id="{B61BEF0D-F0BB-DE4B-95CE-6DB70DBA9567}" type="datetimeFigureOut">
               <a:rPr lang="en-US" dirty="0"/>
               <a:pPr/>
-              <a:t>1/12/2022</a:t>
+              <a:t>9/27/2023</a:t>
             </a:fld>
             <a:endParaRPr lang="en-US" dirty="0"/>
           </a:p>
@@ -3286,7 +3286,7 @@
             <a:fld id="{B61BEF0D-F0BB-DE4B-95CE-6DB70DBA9567}" type="datetimeFigureOut">
               <a:rPr lang="en-US" dirty="0"/>
               <a:pPr/>
-              <a:t>1/12/2022</a:t>
+              <a:t>9/27/2023</a:t>
             </a:fld>
             <a:endParaRPr lang="en-US" dirty="0"/>
           </a:p>
@@ -3559,7 +3559,7 @@
             <a:fld id="{B61BEF0D-F0BB-DE4B-95CE-6DB70DBA9567}" type="datetimeFigureOut">
               <a:rPr lang="en-US" dirty="0"/>
               <a:pPr/>
-              <a:t>1/12/2022</a:t>
+              <a:t>9/27/2023</a:t>
             </a:fld>
             <a:endParaRPr lang="en-US" dirty="0"/>
           </a:p>
@@ -3822,7 +3822,7 @@
             <a:fld id="{B61BEF0D-F0BB-DE4B-95CE-6DB70DBA9567}" type="datetimeFigureOut">
               <a:rPr lang="en-US" dirty="0"/>
               <a:pPr/>
-              <a:t>1/12/2022</a:t>
+              <a:t>9/27/2023</a:t>
             </a:fld>
             <a:endParaRPr lang="en-US" dirty="0"/>
           </a:p>
@@ -4193,7 +4193,7 @@
             <a:fld id="{B61BEF0D-F0BB-DE4B-95CE-6DB70DBA9567}" type="datetimeFigureOut">
               <a:rPr lang="en-US" dirty="0"/>
               <a:pPr/>
-              <a:t>1/12/2022</a:t>
+              <a:t>9/27/2023</a:t>
             </a:fld>
             <a:endParaRPr lang="en-US" dirty="0"/>
           </a:p>
@@ -4338,7 +4338,7 @@
             <a:fld id="{B61BEF0D-F0BB-DE4B-95CE-6DB70DBA9567}" type="datetimeFigureOut">
               <a:rPr lang="en-US" dirty="0"/>
               <a:pPr/>
-              <a:t>1/12/2022</a:t>
+              <a:t>9/27/2023</a:t>
             </a:fld>
             <a:endParaRPr lang="en-US" dirty="0"/>
           </a:p>
@@ -4460,7 +4460,7 @@
             <a:fld id="{B61BEF0D-F0BB-DE4B-95CE-6DB70DBA9567}" type="datetimeFigureOut">
               <a:rPr lang="en-US" dirty="0"/>
               <a:pPr/>
-              <a:t>1/12/2022</a:t>
+              <a:t>9/27/2023</a:t>
             </a:fld>
             <a:endParaRPr lang="en-US" dirty="0"/>
           </a:p>
@@ -4742,7 +4742,7 @@
             <a:fld id="{B61BEF0D-F0BB-DE4B-95CE-6DB70DBA9567}" type="datetimeFigureOut">
               <a:rPr lang="en-US" dirty="0"/>
               <a:pPr/>
-              <a:t>1/12/2022</a:t>
+              <a:t>9/27/2023</a:t>
             </a:fld>
             <a:endParaRPr lang="en-US" dirty="0"/>
           </a:p>
@@ -5063,7 +5063,7 @@
             <a:fld id="{B61BEF0D-F0BB-DE4B-95CE-6DB70DBA9567}" type="datetimeFigureOut">
               <a:rPr lang="en-US" dirty="0"/>
               <a:pPr/>
-              <a:t>1/12/2022</a:t>
+              <a:t>9/27/2023</a:t>
             </a:fld>
             <a:endParaRPr lang="en-US" dirty="0"/>
           </a:p>
@@ -5274,7 +5274,7 @@
             <a:fld id="{B61BEF0D-F0BB-DE4B-95CE-6DB70DBA9567}" type="datetimeFigureOut">
               <a:rPr lang="en-US" dirty="0"/>
               <a:pPr/>
-              <a:t>1/12/2022</a:t>
+              <a:t>9/27/2023</a:t>
             </a:fld>
             <a:endParaRPr lang="en-US" dirty="0"/>
           </a:p>
@@ -5836,7 +5836,7 @@
           <a:p>
             <a:r>
               <a:rPr lang="en-US" dirty="0"/>
-              <a:t>January 12, 2022</a:t>
+              <a:t>University of Mount Union</a:t>
             </a:r>
           </a:p>
         </p:txBody>
